--- a/AP_Java/Week5/Week5.pptx
+++ b/AP_Java/Week5/Week5.pptx
@@ -5,7 +5,7 @@
     <p:sldMasterId id="2147483738" r:id="rId1"/>
   </p:sldMasterIdLst>
   <p:notesMasterIdLst>
-    <p:notesMasterId r:id="rId34"/>
+    <p:notesMasterId r:id="rId28"/>
   </p:notesMasterIdLst>
   <p:sldIdLst>
     <p:sldId id="256" r:id="rId2"/>
@@ -34,12 +34,6 @@
     <p:sldId id="279" r:id="rId25"/>
     <p:sldId id="280" r:id="rId26"/>
     <p:sldId id="281" r:id="rId27"/>
-    <p:sldId id="282" r:id="rId28"/>
-    <p:sldId id="283" r:id="rId29"/>
-    <p:sldId id="284" r:id="rId30"/>
-    <p:sldId id="285" r:id="rId31"/>
-    <p:sldId id="286" r:id="rId32"/>
-    <p:sldId id="287" r:id="rId33"/>
   </p:sldIdLst>
   <p:sldSz cx="12192000" cy="6858000"/>
   <p:notesSz cx="6858000" cy="9144000"/>
@@ -228,7 +222,7 @@
           <a:p>
             <a:fld id="{3B1E9AFA-C894-394C-A716-3DE2DD13D94C}" type="datetimeFigureOut">
               <a:rPr lang="en-US" smtClean="0"/>
-              <a:t>7/28/22</a:t>
+              <a:t>7/29/22</a:t>
             </a:fld>
             <a:endParaRPr lang="en-US"/>
           </a:p>
@@ -682,6 +676,188 @@
 </p:notes>
 </file>
 
+<file path=ppt/notesSlides/notesSlide3.xml><?xml version="1.0" encoding="utf-8"?>
+<p:notes xmlns:a="http://schemas.openxmlformats.org/drawingml/2006/main" xmlns:r="http://schemas.openxmlformats.org/officeDocument/2006/relationships" xmlns:p="http://schemas.openxmlformats.org/presentationml/2006/main">
+  <p:cSld>
+    <p:spTree>
+      <p:nvGrpSpPr>
+        <p:cNvPr id="1" name=""/>
+        <p:cNvGrpSpPr/>
+        <p:nvPr/>
+      </p:nvGrpSpPr>
+      <p:grpSpPr>
+        <a:xfrm>
+          <a:off x="0" y="0"/>
+          <a:ext cx="0" cy="0"/>
+          <a:chOff x="0" y="0"/>
+          <a:chExt cx="0" cy="0"/>
+        </a:xfrm>
+      </p:grpSpPr>
+      <p:sp>
+        <p:nvSpPr>
+          <p:cNvPr id="2" name="Slide Image Placeholder 1"/>
+          <p:cNvSpPr>
+            <a:spLocks noGrp="1" noRot="1" noChangeAspect="1"/>
+          </p:cNvSpPr>
+          <p:nvPr>
+            <p:ph type="sldImg"/>
+          </p:nvPr>
+        </p:nvSpPr>
+        <p:spPr/>
+      </p:sp>
+      <p:sp>
+        <p:nvSpPr>
+          <p:cNvPr id="3" name="Notes Placeholder 2"/>
+          <p:cNvSpPr>
+            <a:spLocks noGrp="1"/>
+          </p:cNvSpPr>
+          <p:nvPr>
+            <p:ph type="body" idx="1"/>
+          </p:nvPr>
+        </p:nvSpPr>
+        <p:spPr/>
+        <p:txBody>
+          <a:bodyPr/>
+          <a:lstStyle/>
+          <a:p>
+            <a:r>
+              <a:rPr lang="en-US"/>
+              <a:t>Ryan</a:t>
+            </a:r>
+          </a:p>
+        </p:txBody>
+      </p:sp>
+      <p:sp>
+        <p:nvSpPr>
+          <p:cNvPr id="4" name="Slide Number Placeholder 3"/>
+          <p:cNvSpPr>
+            <a:spLocks noGrp="1"/>
+          </p:cNvSpPr>
+          <p:nvPr>
+            <p:ph type="sldNum" sz="quarter" idx="5"/>
+          </p:nvPr>
+        </p:nvSpPr>
+        <p:spPr/>
+        <p:txBody>
+          <a:bodyPr/>
+          <a:lstStyle/>
+          <a:p>
+            <a:fld id="{7E1A36A8-380A-BB49-A3BA-F98695C736FF}" type="slidenum">
+              <a:rPr lang="en-US" smtClean="0"/>
+              <a:t>24</a:t>
+            </a:fld>
+            <a:endParaRPr lang="en-US"/>
+          </a:p>
+        </p:txBody>
+      </p:sp>
+    </p:spTree>
+    <p:extLst>
+      <p:ext uri="{BB962C8B-B14F-4D97-AF65-F5344CB8AC3E}">
+        <p14:creationId xmlns:p14="http://schemas.microsoft.com/office/powerpoint/2010/main" val="2614050807"/>
+      </p:ext>
+    </p:extLst>
+  </p:cSld>
+  <p:clrMapOvr>
+    <a:masterClrMapping/>
+  </p:clrMapOvr>
+</p:notes>
+</file>
+
+<file path=ppt/notesSlides/notesSlide4.xml><?xml version="1.0" encoding="utf-8"?>
+<p:notes xmlns:a="http://schemas.openxmlformats.org/drawingml/2006/main" xmlns:r="http://schemas.openxmlformats.org/officeDocument/2006/relationships" xmlns:p="http://schemas.openxmlformats.org/presentationml/2006/main">
+  <p:cSld>
+    <p:spTree>
+      <p:nvGrpSpPr>
+        <p:cNvPr id="1" name=""/>
+        <p:cNvGrpSpPr/>
+        <p:nvPr/>
+      </p:nvGrpSpPr>
+      <p:grpSpPr>
+        <a:xfrm>
+          <a:off x="0" y="0"/>
+          <a:ext cx="0" cy="0"/>
+          <a:chOff x="0" y="0"/>
+          <a:chExt cx="0" cy="0"/>
+        </a:xfrm>
+      </p:grpSpPr>
+      <p:sp>
+        <p:nvSpPr>
+          <p:cNvPr id="2" name="Slide Image Placeholder 1"/>
+          <p:cNvSpPr>
+            <a:spLocks noGrp="1" noRot="1" noChangeAspect="1"/>
+          </p:cNvSpPr>
+          <p:nvPr>
+            <p:ph type="sldImg"/>
+          </p:nvPr>
+        </p:nvSpPr>
+        <p:spPr/>
+      </p:sp>
+      <p:sp>
+        <p:nvSpPr>
+          <p:cNvPr id="3" name="Notes Placeholder 2"/>
+          <p:cNvSpPr>
+            <a:spLocks noGrp="1"/>
+          </p:cNvSpPr>
+          <p:nvPr>
+            <p:ph type="body" idx="1"/>
+          </p:nvPr>
+        </p:nvSpPr>
+        <p:spPr/>
+        <p:txBody>
+          <a:bodyPr/>
+          <a:lstStyle/>
+          <a:p>
+            <a:r>
+              <a:rPr lang="en-US" dirty="0"/>
+              <a:t>Amy, Sarah: show code </a:t>
+            </a:r>
+            <a:r>
+              <a:rPr lang="en-US" dirty="0" err="1"/>
+              <a:t>exmaples</a:t>
+            </a:r>
+            <a:r>
+              <a:rPr lang="en-US" dirty="0"/>
+              <a:t> for methods in math class and random numbers</a:t>
+            </a:r>
+          </a:p>
+        </p:txBody>
+      </p:sp>
+      <p:sp>
+        <p:nvSpPr>
+          <p:cNvPr id="4" name="Slide Number Placeholder 3"/>
+          <p:cNvSpPr>
+            <a:spLocks noGrp="1"/>
+          </p:cNvSpPr>
+          <p:nvPr>
+            <p:ph type="sldNum" sz="quarter" idx="5"/>
+          </p:nvPr>
+        </p:nvSpPr>
+        <p:spPr/>
+        <p:txBody>
+          <a:bodyPr/>
+          <a:lstStyle/>
+          <a:p>
+            <a:fld id="{7E1A36A8-380A-BB49-A3BA-F98695C736FF}" type="slidenum">
+              <a:rPr lang="en-US" smtClean="0"/>
+              <a:t>26</a:t>
+            </a:fld>
+            <a:endParaRPr lang="en-US"/>
+          </a:p>
+        </p:txBody>
+      </p:sp>
+    </p:spTree>
+    <p:extLst>
+      <p:ext uri="{BB962C8B-B14F-4D97-AF65-F5344CB8AC3E}">
+        <p14:creationId xmlns:p14="http://schemas.microsoft.com/office/powerpoint/2010/main" val="2730138342"/>
+      </p:ext>
+    </p:extLst>
+  </p:cSld>
+  <p:clrMapOvr>
+    <a:masterClrMapping/>
+  </p:clrMapOvr>
+</p:notes>
+</file>
+
 <file path=ppt/slideLayouts/slideLayout1.xml><?xml version="1.0" encoding="utf-8"?>
 <p:sldLayout xmlns:a="http://schemas.openxmlformats.org/drawingml/2006/main" xmlns:r="http://schemas.openxmlformats.org/officeDocument/2006/relationships" xmlns:p="http://schemas.openxmlformats.org/presentationml/2006/main" showMasterSp="0" type="title" preserve="1">
   <p:cSld name="Title Slide">
@@ -926,7 +1102,7 @@
           <a:p>
             <a:fld id="{9184DA70-C731-4C70-880D-CCD4705E623C}" type="datetime1">
               <a:rPr lang="en-US" smtClean="0"/>
-              <a:t>7/28/22</a:t>
+              <a:t>7/29/22</a:t>
             </a:fld>
             <a:endParaRPr lang="en-US" dirty="0"/>
           </a:p>
@@ -1114,7 +1290,7 @@
           <a:p>
             <a:fld id="{B612A279-0833-481D-8C56-F67FD0AC6C50}" type="datetime1">
               <a:rPr lang="en-US" smtClean="0"/>
-              <a:t>7/28/22</a:t>
+              <a:t>7/29/22</a:t>
             </a:fld>
             <a:endParaRPr lang="en-US" dirty="0"/>
           </a:p>
@@ -1356,7 +1532,7 @@
           <a:p>
             <a:fld id="{6587DA83-5663-4C9C-B9AA-0B40A3DAFF81}" type="datetime1">
               <a:rPr lang="en-US" smtClean="0"/>
-              <a:t>7/28/22</a:t>
+              <a:t>7/29/22</a:t>
             </a:fld>
             <a:endParaRPr lang="en-US" dirty="0"/>
           </a:p>
@@ -1544,7 +1720,7 @@
           <a:p>
             <a:fld id="{4BE1D723-8F53-4F53-90B0-1982A396982E}" type="datetime1">
               <a:rPr lang="en-US" smtClean="0"/>
-              <a:t>7/28/22</a:t>
+              <a:t>7/29/22</a:t>
             </a:fld>
             <a:endParaRPr lang="en-US" dirty="0"/>
           </a:p>
@@ -1917,7 +2093,7 @@
           <a:p>
             <a:fld id="{97669AF7-7BEB-44E4-9852-375E34362B5B}" type="datetime1">
               <a:rPr lang="en-US" smtClean="0"/>
-              <a:t>7/28/22</a:t>
+              <a:t>7/29/22</a:t>
             </a:fld>
             <a:endParaRPr lang="en-US" dirty="0"/>
           </a:p>
@@ -2172,7 +2348,7 @@
           <a:p>
             <a:fld id="{BAAAC38D-0552-4C82-B593-E6124DFADBE2}" type="datetime1">
               <a:rPr lang="en-US" smtClean="0"/>
-              <a:t>7/28/22</a:t>
+              <a:t>7/29/22</a:t>
             </a:fld>
             <a:endParaRPr lang="en-US" dirty="0"/>
           </a:p>
@@ -2569,7 +2745,7 @@
           <a:p>
             <a:fld id="{D9DF0F1C-5577-4ACB-BB62-DF8F3C494C7E}" type="datetime1">
               <a:rPr lang="en-US" smtClean="0"/>
-              <a:t>7/28/22</a:t>
+              <a:t>7/29/22</a:t>
             </a:fld>
             <a:endParaRPr lang="en-US" dirty="0"/>
           </a:p>
@@ -2705,7 +2881,7 @@
           <a:p>
             <a:fld id="{1775B394-D9F9-4F0C-B15D-605F45CB9E9F}" type="datetime1">
               <a:rPr lang="en-US" smtClean="0"/>
-              <a:t>7/28/22</a:t>
+              <a:t>7/29/22</a:t>
             </a:fld>
             <a:endParaRPr lang="en-US" dirty="0"/>
           </a:p>
@@ -2862,7 +3038,7 @@
           <a:p>
             <a:fld id="{39667345-2558-425A-8533-9BFDBCE15005}" type="datetime1">
               <a:rPr lang="en-US" smtClean="0"/>
-              <a:t>7/28/22</a:t>
+              <a:t>7/29/22</a:t>
             </a:fld>
             <a:endParaRPr lang="en-US" dirty="0"/>
           </a:p>
@@ -3191,7 +3367,7 @@
           <a:p>
             <a:fld id="{92BEA474-078D-4E9B-9B14-09A87B19DC46}" type="datetime1">
               <a:rPr lang="en-US" smtClean="0"/>
-              <a:t>7/28/22</a:t>
+              <a:t>7/29/22</a:t>
             </a:fld>
             <a:endParaRPr lang="en-US" dirty="0"/>
           </a:p>
@@ -3541,7 +3717,7 @@
           <a:p>
             <a:fld id="{4907D986-8816-4272-A432-0437A28A9828}" type="datetime1">
               <a:rPr lang="en-US" smtClean="0"/>
-              <a:t>7/28/22</a:t>
+              <a:t>7/29/22</a:t>
             </a:fld>
             <a:endParaRPr lang="en-US" dirty="0"/>
           </a:p>
@@ -3802,7 +3978,7 @@
           <a:p>
             <a:fld id="{62D6E202-B606-4609-B914-27C9371A1F6D}" type="datetime1">
               <a:rPr lang="en-US" smtClean="0"/>
-              <a:t>7/28/22</a:t>
+              <a:t>7/29/22</a:t>
             </a:fld>
             <a:endParaRPr lang="en-US" dirty="0"/>
           </a:p>
@@ -6914,36 +7090,6 @@
           <p:nvPr/>
         </p:nvPicPr>
         <p:blipFill>
-          <a:blip r:embed="rId2"/>
-          <a:stretch>
-            <a:fillRect/>
-          </a:stretch>
-        </p:blipFill>
-        <p:spPr>
-          <a:xfrm>
-            <a:off x="1097280" y="3934048"/>
-            <a:ext cx="3871760" cy="701898"/>
-          </a:xfrm>
-          <a:prstGeom prst="rect">
-            <a:avLst/>
-          </a:prstGeom>
-        </p:spPr>
-      </p:pic>
-      <p:pic>
-        <p:nvPicPr>
-          <p:cNvPr id="5" name="Picture 4">
-            <a:extLst>
-              <a:ext uri="{FF2B5EF4-FFF2-40B4-BE49-F238E27FC236}">
-                <a16:creationId xmlns:a16="http://schemas.microsoft.com/office/drawing/2014/main" id="{8DBD73ED-811A-5D40-849B-69F9B8A76275}"/>
-              </a:ext>
-            </a:extLst>
-          </p:cNvPr>
-          <p:cNvPicPr>
-            <a:picLocks noChangeAspect="1"/>
-          </p:cNvPicPr>
-          <p:nvPr/>
-        </p:nvPicPr>
-        <p:blipFill>
           <a:blip r:embed="rId3"/>
           <a:stretch>
             <a:fillRect/>
@@ -6951,8 +7097,8 @@
         </p:blipFill>
         <p:spPr>
           <a:xfrm>
-            <a:off x="5157144" y="3852360"/>
-            <a:ext cx="4131635" cy="783586"/>
+            <a:off x="1097280" y="3934048"/>
+            <a:ext cx="3871760" cy="701898"/>
           </a:xfrm>
           <a:prstGeom prst="rect">
             <a:avLst/>
@@ -6961,10 +7107,10 @@
       </p:pic>
       <p:pic>
         <p:nvPicPr>
-          <p:cNvPr id="6" name="Picture 5">
-            <a:extLst>
-              <a:ext uri="{FF2B5EF4-FFF2-40B4-BE49-F238E27FC236}">
-                <a16:creationId xmlns:a16="http://schemas.microsoft.com/office/drawing/2014/main" id="{8249AEA7-041E-7749-AF03-FE7E8DD8446E}"/>
+          <p:cNvPr id="5" name="Picture 4">
+            <a:extLst>
+              <a:ext uri="{FF2B5EF4-FFF2-40B4-BE49-F238E27FC236}">
+                <a16:creationId xmlns:a16="http://schemas.microsoft.com/office/drawing/2014/main" id="{8DBD73ED-811A-5D40-849B-69F9B8A76275}"/>
               </a:ext>
             </a:extLst>
           </p:cNvPr>
@@ -6981,8 +7127,8 @@
         </p:blipFill>
         <p:spPr>
           <a:xfrm>
-            <a:off x="1097280" y="4635946"/>
-            <a:ext cx="5049137" cy="701898"/>
+            <a:off x="5157144" y="3852360"/>
+            <a:ext cx="4131635" cy="783586"/>
           </a:xfrm>
           <a:prstGeom prst="rect">
             <a:avLst/>
@@ -6991,10 +7137,10 @@
       </p:pic>
       <p:pic>
         <p:nvPicPr>
-          <p:cNvPr id="7" name="Picture 6">
-            <a:extLst>
-              <a:ext uri="{FF2B5EF4-FFF2-40B4-BE49-F238E27FC236}">
-                <a16:creationId xmlns:a16="http://schemas.microsoft.com/office/drawing/2014/main" id="{553449B8-E09E-2946-9804-FC6798AEDED6}"/>
+          <p:cNvPr id="6" name="Picture 5">
+            <a:extLst>
+              <a:ext uri="{FF2B5EF4-FFF2-40B4-BE49-F238E27FC236}">
+                <a16:creationId xmlns:a16="http://schemas.microsoft.com/office/drawing/2014/main" id="{8249AEA7-041E-7749-AF03-FE7E8DD8446E}"/>
               </a:ext>
             </a:extLst>
           </p:cNvPr>
@@ -7011,8 +7157,8 @@
         </p:blipFill>
         <p:spPr>
           <a:xfrm>
-            <a:off x="1097280" y="5337844"/>
-            <a:ext cx="5239725" cy="727740"/>
+            <a:off x="1097280" y="4635946"/>
+            <a:ext cx="5049137" cy="701898"/>
           </a:xfrm>
           <a:prstGeom prst="rect">
             <a:avLst/>
@@ -7021,10 +7167,10 @@
       </p:pic>
       <p:pic>
         <p:nvPicPr>
-          <p:cNvPr id="8" name="Picture 7">
-            <a:extLst>
-              <a:ext uri="{FF2B5EF4-FFF2-40B4-BE49-F238E27FC236}">
-                <a16:creationId xmlns:a16="http://schemas.microsoft.com/office/drawing/2014/main" id="{FEDA50D0-C8CD-4E4F-80FA-1FD298BAFD0B}"/>
+          <p:cNvPr id="7" name="Picture 6">
+            <a:extLst>
+              <a:ext uri="{FF2B5EF4-FFF2-40B4-BE49-F238E27FC236}">
+                <a16:creationId xmlns:a16="http://schemas.microsoft.com/office/drawing/2014/main" id="{553449B8-E09E-2946-9804-FC6798AEDED6}"/>
               </a:ext>
             </a:extLst>
           </p:cNvPr>
@@ -7035,6 +7181,36 @@
         </p:nvPicPr>
         <p:blipFill>
           <a:blip r:embed="rId6"/>
+          <a:stretch>
+            <a:fillRect/>
+          </a:stretch>
+        </p:blipFill>
+        <p:spPr>
+          <a:xfrm>
+            <a:off x="1097280" y="5337844"/>
+            <a:ext cx="5239725" cy="727740"/>
+          </a:xfrm>
+          <a:prstGeom prst="rect">
+            <a:avLst/>
+          </a:prstGeom>
+        </p:spPr>
+      </p:pic>
+      <p:pic>
+        <p:nvPicPr>
+          <p:cNvPr id="8" name="Picture 7">
+            <a:extLst>
+              <a:ext uri="{FF2B5EF4-FFF2-40B4-BE49-F238E27FC236}">
+                <a16:creationId xmlns:a16="http://schemas.microsoft.com/office/drawing/2014/main" id="{FEDA50D0-C8CD-4E4F-80FA-1FD298BAFD0B}"/>
+              </a:ext>
+            </a:extLst>
+          </p:cNvPr>
+          <p:cNvPicPr>
+            <a:picLocks noChangeAspect="1"/>
+          </p:cNvPicPr>
+          <p:nvPr/>
+        </p:nvPicPr>
+        <p:blipFill>
+          <a:blip r:embed="rId7"/>
           <a:stretch>
             <a:fillRect/>
           </a:stretch>
@@ -7426,7 +7602,7 @@
           <p:nvPr/>
         </p:nvPicPr>
         <p:blipFill>
-          <a:blip r:embed="rId2"/>
+          <a:blip r:embed="rId3"/>
           <a:stretch>
             <a:fillRect/>
           </a:stretch>
@@ -7445,270 +7621,6 @@
     <p:extLst>
       <p:ext uri="{BB962C8B-B14F-4D97-AF65-F5344CB8AC3E}">
         <p14:creationId xmlns:p14="http://schemas.microsoft.com/office/powerpoint/2010/main" val="4288134628"/>
-      </p:ext>
-    </p:extLst>
-  </p:cSld>
-  <p:clrMapOvr>
-    <a:masterClrMapping/>
-  </p:clrMapOvr>
-</p:sld>
-</file>
-
-<file path=ppt/slides/slide27.xml><?xml version="1.0" encoding="utf-8"?>
-<p:sld xmlns:a="http://schemas.openxmlformats.org/drawingml/2006/main" xmlns:r="http://schemas.openxmlformats.org/officeDocument/2006/relationships" xmlns:p="http://schemas.openxmlformats.org/presentationml/2006/main">
-  <p:cSld>
-    <p:spTree>
-      <p:nvGrpSpPr>
-        <p:cNvPr id="1" name=""/>
-        <p:cNvGrpSpPr/>
-        <p:nvPr/>
-      </p:nvGrpSpPr>
-      <p:grpSpPr>
-        <a:xfrm>
-          <a:off x="0" y="0"/>
-          <a:ext cx="0" cy="0"/>
-          <a:chOff x="0" y="0"/>
-          <a:chExt cx="0" cy="0"/>
-        </a:xfrm>
-      </p:grpSpPr>
-      <p:sp>
-        <p:nvSpPr>
-          <p:cNvPr id="2" name="Title 1">
-            <a:extLst>
-              <a:ext uri="{FF2B5EF4-FFF2-40B4-BE49-F238E27FC236}">
-                <a16:creationId xmlns:a16="http://schemas.microsoft.com/office/drawing/2014/main" id="{FED7F10F-7DCE-DC46-A069-229149A74BEA}"/>
-              </a:ext>
-            </a:extLst>
-          </p:cNvPr>
-          <p:cNvSpPr>
-            <a:spLocks noGrp="1"/>
-          </p:cNvSpPr>
-          <p:nvPr>
-            <p:ph type="title"/>
-          </p:nvPr>
-        </p:nvSpPr>
-        <p:spPr/>
-        <p:txBody>
-          <a:bodyPr/>
-          <a:lstStyle/>
-          <a:p>
-            <a:endParaRPr lang="en-US" dirty="0"/>
-          </a:p>
-        </p:txBody>
-      </p:sp>
-      <p:sp>
-        <p:nvSpPr>
-          <p:cNvPr id="3" name="Content Placeholder 2">
-            <a:extLst>
-              <a:ext uri="{FF2B5EF4-FFF2-40B4-BE49-F238E27FC236}">
-                <a16:creationId xmlns:a16="http://schemas.microsoft.com/office/drawing/2014/main" id="{AAC9165D-DFED-3847-9414-8A2E010A0241}"/>
-              </a:ext>
-            </a:extLst>
-          </p:cNvPr>
-          <p:cNvSpPr>
-            <a:spLocks noGrp="1"/>
-          </p:cNvSpPr>
-          <p:nvPr>
-            <p:ph idx="1"/>
-          </p:nvPr>
-        </p:nvSpPr>
-        <p:spPr/>
-        <p:txBody>
-          <a:bodyPr/>
-          <a:lstStyle/>
-          <a:p>
-            <a:pPr>
-              <a:buFont typeface="Courier New" panose="02070309020205020404" pitchFamily="49" charset="0"/>
-              <a:buChar char="o"/>
-            </a:pPr>
-            <a:r>
-              <a:rPr lang="en-US" sz="2800" dirty="0"/>
-              <a:t> Hi</a:t>
-            </a:r>
-            <a:endParaRPr lang="en-US" dirty="0"/>
-          </a:p>
-        </p:txBody>
-      </p:sp>
-    </p:spTree>
-    <p:extLst>
-      <p:ext uri="{BB962C8B-B14F-4D97-AF65-F5344CB8AC3E}">
-        <p14:creationId xmlns:p14="http://schemas.microsoft.com/office/powerpoint/2010/main" val="4024458105"/>
-      </p:ext>
-    </p:extLst>
-  </p:cSld>
-  <p:clrMapOvr>
-    <a:masterClrMapping/>
-  </p:clrMapOvr>
-</p:sld>
-</file>
-
-<file path=ppt/slides/slide28.xml><?xml version="1.0" encoding="utf-8"?>
-<p:sld xmlns:a="http://schemas.openxmlformats.org/drawingml/2006/main" xmlns:r="http://schemas.openxmlformats.org/officeDocument/2006/relationships" xmlns:p="http://schemas.openxmlformats.org/presentationml/2006/main">
-  <p:cSld>
-    <p:spTree>
-      <p:nvGrpSpPr>
-        <p:cNvPr id="1" name=""/>
-        <p:cNvGrpSpPr/>
-        <p:nvPr/>
-      </p:nvGrpSpPr>
-      <p:grpSpPr>
-        <a:xfrm>
-          <a:off x="0" y="0"/>
-          <a:ext cx="0" cy="0"/>
-          <a:chOff x="0" y="0"/>
-          <a:chExt cx="0" cy="0"/>
-        </a:xfrm>
-      </p:grpSpPr>
-      <p:sp>
-        <p:nvSpPr>
-          <p:cNvPr id="2" name="Title 1">
-            <a:extLst>
-              <a:ext uri="{FF2B5EF4-FFF2-40B4-BE49-F238E27FC236}">
-                <a16:creationId xmlns:a16="http://schemas.microsoft.com/office/drawing/2014/main" id="{FED7F10F-7DCE-DC46-A069-229149A74BEA}"/>
-              </a:ext>
-            </a:extLst>
-          </p:cNvPr>
-          <p:cNvSpPr>
-            <a:spLocks noGrp="1"/>
-          </p:cNvSpPr>
-          <p:nvPr>
-            <p:ph type="title"/>
-          </p:nvPr>
-        </p:nvSpPr>
-        <p:spPr/>
-        <p:txBody>
-          <a:bodyPr/>
-          <a:lstStyle/>
-          <a:p>
-            <a:endParaRPr lang="en-US" dirty="0"/>
-          </a:p>
-        </p:txBody>
-      </p:sp>
-      <p:sp>
-        <p:nvSpPr>
-          <p:cNvPr id="3" name="Content Placeholder 2">
-            <a:extLst>
-              <a:ext uri="{FF2B5EF4-FFF2-40B4-BE49-F238E27FC236}">
-                <a16:creationId xmlns:a16="http://schemas.microsoft.com/office/drawing/2014/main" id="{AAC9165D-DFED-3847-9414-8A2E010A0241}"/>
-              </a:ext>
-            </a:extLst>
-          </p:cNvPr>
-          <p:cNvSpPr>
-            <a:spLocks noGrp="1"/>
-          </p:cNvSpPr>
-          <p:nvPr>
-            <p:ph idx="1"/>
-          </p:nvPr>
-        </p:nvSpPr>
-        <p:spPr/>
-        <p:txBody>
-          <a:bodyPr/>
-          <a:lstStyle/>
-          <a:p>
-            <a:pPr>
-              <a:buFont typeface="Courier New" panose="02070309020205020404" pitchFamily="49" charset="0"/>
-              <a:buChar char="o"/>
-            </a:pPr>
-            <a:r>
-              <a:rPr lang="en-US" sz="2800" dirty="0"/>
-              <a:t> Hi</a:t>
-            </a:r>
-            <a:endParaRPr lang="en-US" dirty="0"/>
-          </a:p>
-        </p:txBody>
-      </p:sp>
-    </p:spTree>
-    <p:extLst>
-      <p:ext uri="{BB962C8B-B14F-4D97-AF65-F5344CB8AC3E}">
-        <p14:creationId xmlns:p14="http://schemas.microsoft.com/office/powerpoint/2010/main" val="312249859"/>
-      </p:ext>
-    </p:extLst>
-  </p:cSld>
-  <p:clrMapOvr>
-    <a:masterClrMapping/>
-  </p:clrMapOvr>
-</p:sld>
-</file>
-
-<file path=ppt/slides/slide29.xml><?xml version="1.0" encoding="utf-8"?>
-<p:sld xmlns:a="http://schemas.openxmlformats.org/drawingml/2006/main" xmlns:r="http://schemas.openxmlformats.org/officeDocument/2006/relationships" xmlns:p="http://schemas.openxmlformats.org/presentationml/2006/main">
-  <p:cSld>
-    <p:spTree>
-      <p:nvGrpSpPr>
-        <p:cNvPr id="1" name=""/>
-        <p:cNvGrpSpPr/>
-        <p:nvPr/>
-      </p:nvGrpSpPr>
-      <p:grpSpPr>
-        <a:xfrm>
-          <a:off x="0" y="0"/>
-          <a:ext cx="0" cy="0"/>
-          <a:chOff x="0" y="0"/>
-          <a:chExt cx="0" cy="0"/>
-        </a:xfrm>
-      </p:grpSpPr>
-      <p:sp>
-        <p:nvSpPr>
-          <p:cNvPr id="2" name="Title 1">
-            <a:extLst>
-              <a:ext uri="{FF2B5EF4-FFF2-40B4-BE49-F238E27FC236}">
-                <a16:creationId xmlns:a16="http://schemas.microsoft.com/office/drawing/2014/main" id="{FED7F10F-7DCE-DC46-A069-229149A74BEA}"/>
-              </a:ext>
-            </a:extLst>
-          </p:cNvPr>
-          <p:cNvSpPr>
-            <a:spLocks noGrp="1"/>
-          </p:cNvSpPr>
-          <p:nvPr>
-            <p:ph type="title"/>
-          </p:nvPr>
-        </p:nvSpPr>
-        <p:spPr/>
-        <p:txBody>
-          <a:bodyPr/>
-          <a:lstStyle/>
-          <a:p>
-            <a:endParaRPr lang="en-US" dirty="0"/>
-          </a:p>
-        </p:txBody>
-      </p:sp>
-      <p:sp>
-        <p:nvSpPr>
-          <p:cNvPr id="3" name="Content Placeholder 2">
-            <a:extLst>
-              <a:ext uri="{FF2B5EF4-FFF2-40B4-BE49-F238E27FC236}">
-                <a16:creationId xmlns:a16="http://schemas.microsoft.com/office/drawing/2014/main" id="{AAC9165D-DFED-3847-9414-8A2E010A0241}"/>
-              </a:ext>
-            </a:extLst>
-          </p:cNvPr>
-          <p:cNvSpPr>
-            <a:spLocks noGrp="1"/>
-          </p:cNvSpPr>
-          <p:nvPr>
-            <p:ph idx="1"/>
-          </p:nvPr>
-        </p:nvSpPr>
-        <p:spPr/>
-        <p:txBody>
-          <a:bodyPr/>
-          <a:lstStyle/>
-          <a:p>
-            <a:pPr>
-              <a:buFont typeface="Courier New" panose="02070309020205020404" pitchFamily="49" charset="0"/>
-              <a:buChar char="o"/>
-            </a:pPr>
-            <a:r>
-              <a:rPr lang="en-US" sz="2800" dirty="0"/>
-              <a:t> Hi</a:t>
-            </a:r>
-            <a:endParaRPr lang="en-US" dirty="0"/>
-          </a:p>
-        </p:txBody>
-      </p:sp>
-    </p:spTree>
-    <p:extLst>
-      <p:ext uri="{BB962C8B-B14F-4D97-AF65-F5344CB8AC3E}">
-        <p14:creationId xmlns:p14="http://schemas.microsoft.com/office/powerpoint/2010/main" val="603741221"/>
       </p:ext>
     </p:extLst>
   </p:cSld>
@@ -7914,270 +7826,6 @@
     <p:extLst>
       <p:ext uri="{BB962C8B-B14F-4D97-AF65-F5344CB8AC3E}">
         <p14:creationId xmlns:p14="http://schemas.microsoft.com/office/powerpoint/2010/main" val="3707602621"/>
-      </p:ext>
-    </p:extLst>
-  </p:cSld>
-  <p:clrMapOvr>
-    <a:masterClrMapping/>
-  </p:clrMapOvr>
-</p:sld>
-</file>
-
-<file path=ppt/slides/slide30.xml><?xml version="1.0" encoding="utf-8"?>
-<p:sld xmlns:a="http://schemas.openxmlformats.org/drawingml/2006/main" xmlns:r="http://schemas.openxmlformats.org/officeDocument/2006/relationships" xmlns:p="http://schemas.openxmlformats.org/presentationml/2006/main">
-  <p:cSld>
-    <p:spTree>
-      <p:nvGrpSpPr>
-        <p:cNvPr id="1" name=""/>
-        <p:cNvGrpSpPr/>
-        <p:nvPr/>
-      </p:nvGrpSpPr>
-      <p:grpSpPr>
-        <a:xfrm>
-          <a:off x="0" y="0"/>
-          <a:ext cx="0" cy="0"/>
-          <a:chOff x="0" y="0"/>
-          <a:chExt cx="0" cy="0"/>
-        </a:xfrm>
-      </p:grpSpPr>
-      <p:sp>
-        <p:nvSpPr>
-          <p:cNvPr id="2" name="Title 1">
-            <a:extLst>
-              <a:ext uri="{FF2B5EF4-FFF2-40B4-BE49-F238E27FC236}">
-                <a16:creationId xmlns:a16="http://schemas.microsoft.com/office/drawing/2014/main" id="{FED7F10F-7DCE-DC46-A069-229149A74BEA}"/>
-              </a:ext>
-            </a:extLst>
-          </p:cNvPr>
-          <p:cNvSpPr>
-            <a:spLocks noGrp="1"/>
-          </p:cNvSpPr>
-          <p:nvPr>
-            <p:ph type="title"/>
-          </p:nvPr>
-        </p:nvSpPr>
-        <p:spPr/>
-        <p:txBody>
-          <a:bodyPr/>
-          <a:lstStyle/>
-          <a:p>
-            <a:endParaRPr lang="en-US" dirty="0"/>
-          </a:p>
-        </p:txBody>
-      </p:sp>
-      <p:sp>
-        <p:nvSpPr>
-          <p:cNvPr id="3" name="Content Placeholder 2">
-            <a:extLst>
-              <a:ext uri="{FF2B5EF4-FFF2-40B4-BE49-F238E27FC236}">
-                <a16:creationId xmlns:a16="http://schemas.microsoft.com/office/drawing/2014/main" id="{AAC9165D-DFED-3847-9414-8A2E010A0241}"/>
-              </a:ext>
-            </a:extLst>
-          </p:cNvPr>
-          <p:cNvSpPr>
-            <a:spLocks noGrp="1"/>
-          </p:cNvSpPr>
-          <p:nvPr>
-            <p:ph idx="1"/>
-          </p:nvPr>
-        </p:nvSpPr>
-        <p:spPr/>
-        <p:txBody>
-          <a:bodyPr/>
-          <a:lstStyle/>
-          <a:p>
-            <a:pPr>
-              <a:buFont typeface="Courier New" panose="02070309020205020404" pitchFamily="49" charset="0"/>
-              <a:buChar char="o"/>
-            </a:pPr>
-            <a:r>
-              <a:rPr lang="en-US" sz="2800" dirty="0"/>
-              <a:t> Hi</a:t>
-            </a:r>
-            <a:endParaRPr lang="en-US" dirty="0"/>
-          </a:p>
-        </p:txBody>
-      </p:sp>
-    </p:spTree>
-    <p:extLst>
-      <p:ext uri="{BB962C8B-B14F-4D97-AF65-F5344CB8AC3E}">
-        <p14:creationId xmlns:p14="http://schemas.microsoft.com/office/powerpoint/2010/main" val="2242526074"/>
-      </p:ext>
-    </p:extLst>
-  </p:cSld>
-  <p:clrMapOvr>
-    <a:masterClrMapping/>
-  </p:clrMapOvr>
-</p:sld>
-</file>
-
-<file path=ppt/slides/slide31.xml><?xml version="1.0" encoding="utf-8"?>
-<p:sld xmlns:a="http://schemas.openxmlformats.org/drawingml/2006/main" xmlns:r="http://schemas.openxmlformats.org/officeDocument/2006/relationships" xmlns:p="http://schemas.openxmlformats.org/presentationml/2006/main">
-  <p:cSld>
-    <p:spTree>
-      <p:nvGrpSpPr>
-        <p:cNvPr id="1" name=""/>
-        <p:cNvGrpSpPr/>
-        <p:nvPr/>
-      </p:nvGrpSpPr>
-      <p:grpSpPr>
-        <a:xfrm>
-          <a:off x="0" y="0"/>
-          <a:ext cx="0" cy="0"/>
-          <a:chOff x="0" y="0"/>
-          <a:chExt cx="0" cy="0"/>
-        </a:xfrm>
-      </p:grpSpPr>
-      <p:sp>
-        <p:nvSpPr>
-          <p:cNvPr id="2" name="Title 1">
-            <a:extLst>
-              <a:ext uri="{FF2B5EF4-FFF2-40B4-BE49-F238E27FC236}">
-                <a16:creationId xmlns:a16="http://schemas.microsoft.com/office/drawing/2014/main" id="{FED7F10F-7DCE-DC46-A069-229149A74BEA}"/>
-              </a:ext>
-            </a:extLst>
-          </p:cNvPr>
-          <p:cNvSpPr>
-            <a:spLocks noGrp="1"/>
-          </p:cNvSpPr>
-          <p:nvPr>
-            <p:ph type="title"/>
-          </p:nvPr>
-        </p:nvSpPr>
-        <p:spPr/>
-        <p:txBody>
-          <a:bodyPr/>
-          <a:lstStyle/>
-          <a:p>
-            <a:endParaRPr lang="en-US" dirty="0"/>
-          </a:p>
-        </p:txBody>
-      </p:sp>
-      <p:sp>
-        <p:nvSpPr>
-          <p:cNvPr id="3" name="Content Placeholder 2">
-            <a:extLst>
-              <a:ext uri="{FF2B5EF4-FFF2-40B4-BE49-F238E27FC236}">
-                <a16:creationId xmlns:a16="http://schemas.microsoft.com/office/drawing/2014/main" id="{AAC9165D-DFED-3847-9414-8A2E010A0241}"/>
-              </a:ext>
-            </a:extLst>
-          </p:cNvPr>
-          <p:cNvSpPr>
-            <a:spLocks noGrp="1"/>
-          </p:cNvSpPr>
-          <p:nvPr>
-            <p:ph idx="1"/>
-          </p:nvPr>
-        </p:nvSpPr>
-        <p:spPr/>
-        <p:txBody>
-          <a:bodyPr/>
-          <a:lstStyle/>
-          <a:p>
-            <a:pPr>
-              <a:buFont typeface="Courier New" panose="02070309020205020404" pitchFamily="49" charset="0"/>
-              <a:buChar char="o"/>
-            </a:pPr>
-            <a:r>
-              <a:rPr lang="en-US" sz="2800" dirty="0"/>
-              <a:t> Hi</a:t>
-            </a:r>
-            <a:endParaRPr lang="en-US" dirty="0"/>
-          </a:p>
-        </p:txBody>
-      </p:sp>
-    </p:spTree>
-    <p:extLst>
-      <p:ext uri="{BB962C8B-B14F-4D97-AF65-F5344CB8AC3E}">
-        <p14:creationId xmlns:p14="http://schemas.microsoft.com/office/powerpoint/2010/main" val="1408430405"/>
-      </p:ext>
-    </p:extLst>
-  </p:cSld>
-  <p:clrMapOvr>
-    <a:masterClrMapping/>
-  </p:clrMapOvr>
-</p:sld>
-</file>
-
-<file path=ppt/slides/slide32.xml><?xml version="1.0" encoding="utf-8"?>
-<p:sld xmlns:a="http://schemas.openxmlformats.org/drawingml/2006/main" xmlns:r="http://schemas.openxmlformats.org/officeDocument/2006/relationships" xmlns:p="http://schemas.openxmlformats.org/presentationml/2006/main">
-  <p:cSld>
-    <p:spTree>
-      <p:nvGrpSpPr>
-        <p:cNvPr id="1" name=""/>
-        <p:cNvGrpSpPr/>
-        <p:nvPr/>
-      </p:nvGrpSpPr>
-      <p:grpSpPr>
-        <a:xfrm>
-          <a:off x="0" y="0"/>
-          <a:ext cx="0" cy="0"/>
-          <a:chOff x="0" y="0"/>
-          <a:chExt cx="0" cy="0"/>
-        </a:xfrm>
-      </p:grpSpPr>
-      <p:sp>
-        <p:nvSpPr>
-          <p:cNvPr id="2" name="Title 1">
-            <a:extLst>
-              <a:ext uri="{FF2B5EF4-FFF2-40B4-BE49-F238E27FC236}">
-                <a16:creationId xmlns:a16="http://schemas.microsoft.com/office/drawing/2014/main" id="{FED7F10F-7DCE-DC46-A069-229149A74BEA}"/>
-              </a:ext>
-            </a:extLst>
-          </p:cNvPr>
-          <p:cNvSpPr>
-            <a:spLocks noGrp="1"/>
-          </p:cNvSpPr>
-          <p:nvPr>
-            <p:ph type="title"/>
-          </p:nvPr>
-        </p:nvSpPr>
-        <p:spPr/>
-        <p:txBody>
-          <a:bodyPr/>
-          <a:lstStyle/>
-          <a:p>
-            <a:endParaRPr lang="en-US" dirty="0"/>
-          </a:p>
-        </p:txBody>
-      </p:sp>
-      <p:sp>
-        <p:nvSpPr>
-          <p:cNvPr id="3" name="Content Placeholder 2">
-            <a:extLst>
-              <a:ext uri="{FF2B5EF4-FFF2-40B4-BE49-F238E27FC236}">
-                <a16:creationId xmlns:a16="http://schemas.microsoft.com/office/drawing/2014/main" id="{AAC9165D-DFED-3847-9414-8A2E010A0241}"/>
-              </a:ext>
-            </a:extLst>
-          </p:cNvPr>
-          <p:cNvSpPr>
-            <a:spLocks noGrp="1"/>
-          </p:cNvSpPr>
-          <p:nvPr>
-            <p:ph idx="1"/>
-          </p:nvPr>
-        </p:nvSpPr>
-        <p:spPr/>
-        <p:txBody>
-          <a:bodyPr/>
-          <a:lstStyle/>
-          <a:p>
-            <a:pPr>
-              <a:buFont typeface="Courier New" panose="02070309020205020404" pitchFamily="49" charset="0"/>
-              <a:buChar char="o"/>
-            </a:pPr>
-            <a:r>
-              <a:rPr lang="en-US" sz="2800" dirty="0"/>
-              <a:t> Hi</a:t>
-            </a:r>
-            <a:endParaRPr lang="en-US" dirty="0"/>
-          </a:p>
-        </p:txBody>
-      </p:sp>
-    </p:spTree>
-    <p:extLst>
-      <p:ext uri="{BB962C8B-B14F-4D97-AF65-F5344CB8AC3E}">
-        <p14:creationId xmlns:p14="http://schemas.microsoft.com/office/powerpoint/2010/main" val="3477049698"/>
       </p:ext>
     </p:extLst>
   </p:cSld>

--- a/AP_Java/Week5/Week5.pptx
+++ b/AP_Java/Week5/Week5.pptx
@@ -222,7 +222,7 @@
           <a:p>
             <a:fld id="{3B1E9AFA-C894-394C-A716-3DE2DD13D94C}" type="datetimeFigureOut">
               <a:rPr lang="en-US" smtClean="0"/>
-              <a:t>7/29/22</a:t>
+              <a:t>8/11/22</a:t>
             </a:fld>
             <a:endParaRPr lang="en-US"/>
           </a:p>
@@ -534,18 +534,22 @@
           <a:lstStyle/>
           <a:p>
             <a:r>
+              <a:rPr lang="en-US" b="1" dirty="0"/>
+              <a:t>13, </a:t>
+            </a:r>
+            <a:r>
+              <a:rPr lang="en-US" dirty="0"/>
+              <a:t>19, </a:t>
+            </a:r>
+          </a:p>
+          <a:p>
+            <a:r>
               <a:rPr lang="en-US"/>
-              <a:t>11</a:t>
+              <a:t>19</a:t>
             </a:r>
             <a:r>
               <a:rPr lang="en-US" dirty="0"/>
-              <a:t>, 13, 14, 17, 18, 19, </a:t>
-            </a:r>
-          </a:p>
-          <a:p>
-            <a:r>
-              <a:rPr lang="en-US" dirty="0"/>
-              <a:t>10, 11, 16, 18, 19, 21, 22, 23</a:t>
+              <a:t>, 21, 22, 23</a:t>
             </a:r>
           </a:p>
         </p:txBody>
@@ -720,10 +724,7 @@
           <a:bodyPr/>
           <a:lstStyle/>
           <a:p>
-            <a:r>
-              <a:rPr lang="en-US"/>
-              <a:t>Ryan</a:t>
-            </a:r>
+            <a:endParaRPr lang="en-US" dirty="0"/>
           </a:p>
         </p:txBody>
       </p:sp>
@@ -807,18 +808,7 @@
           <a:bodyPr/>
           <a:lstStyle/>
           <a:p>
-            <a:r>
-              <a:rPr lang="en-US" dirty="0"/>
-              <a:t>Amy, Sarah: show code </a:t>
-            </a:r>
-            <a:r>
-              <a:rPr lang="en-US" dirty="0" err="1"/>
-              <a:t>exmaples</a:t>
-            </a:r>
-            <a:r>
-              <a:rPr lang="en-US" dirty="0"/>
-              <a:t> for methods in math class and random numbers</a:t>
-            </a:r>
+            <a:endParaRPr lang="en-US" dirty="0"/>
           </a:p>
         </p:txBody>
       </p:sp>
@@ -1102,7 +1092,7 @@
           <a:p>
             <a:fld id="{9184DA70-C731-4C70-880D-CCD4705E623C}" type="datetime1">
               <a:rPr lang="en-US" smtClean="0"/>
-              <a:t>7/29/22</a:t>
+              <a:t>8/11/22</a:t>
             </a:fld>
             <a:endParaRPr lang="en-US" dirty="0"/>
           </a:p>
@@ -1290,7 +1280,7 @@
           <a:p>
             <a:fld id="{B612A279-0833-481D-8C56-F67FD0AC6C50}" type="datetime1">
               <a:rPr lang="en-US" smtClean="0"/>
-              <a:t>7/29/22</a:t>
+              <a:t>8/11/22</a:t>
             </a:fld>
             <a:endParaRPr lang="en-US" dirty="0"/>
           </a:p>
@@ -1532,7 +1522,7 @@
           <a:p>
             <a:fld id="{6587DA83-5663-4C9C-B9AA-0B40A3DAFF81}" type="datetime1">
               <a:rPr lang="en-US" smtClean="0"/>
-              <a:t>7/29/22</a:t>
+              <a:t>8/11/22</a:t>
             </a:fld>
             <a:endParaRPr lang="en-US" dirty="0"/>
           </a:p>
@@ -1720,7 +1710,7 @@
           <a:p>
             <a:fld id="{4BE1D723-8F53-4F53-90B0-1982A396982E}" type="datetime1">
               <a:rPr lang="en-US" smtClean="0"/>
-              <a:t>7/29/22</a:t>
+              <a:t>8/11/22</a:t>
             </a:fld>
             <a:endParaRPr lang="en-US" dirty="0"/>
           </a:p>
@@ -2093,7 +2083,7 @@
           <a:p>
             <a:fld id="{97669AF7-7BEB-44E4-9852-375E34362B5B}" type="datetime1">
               <a:rPr lang="en-US" smtClean="0"/>
-              <a:t>7/29/22</a:t>
+              <a:t>8/11/22</a:t>
             </a:fld>
             <a:endParaRPr lang="en-US" dirty="0"/>
           </a:p>
@@ -2348,7 +2338,7 @@
           <a:p>
             <a:fld id="{BAAAC38D-0552-4C82-B593-E6124DFADBE2}" type="datetime1">
               <a:rPr lang="en-US" smtClean="0"/>
-              <a:t>7/29/22</a:t>
+              <a:t>8/11/22</a:t>
             </a:fld>
             <a:endParaRPr lang="en-US" dirty="0"/>
           </a:p>
@@ -2745,7 +2735,7 @@
           <a:p>
             <a:fld id="{D9DF0F1C-5577-4ACB-BB62-DF8F3C494C7E}" type="datetime1">
               <a:rPr lang="en-US" smtClean="0"/>
-              <a:t>7/29/22</a:t>
+              <a:t>8/11/22</a:t>
             </a:fld>
             <a:endParaRPr lang="en-US" dirty="0"/>
           </a:p>
@@ -2881,7 +2871,7 @@
           <a:p>
             <a:fld id="{1775B394-D9F9-4F0C-B15D-605F45CB9E9F}" type="datetime1">
               <a:rPr lang="en-US" smtClean="0"/>
-              <a:t>7/29/22</a:t>
+              <a:t>8/11/22</a:t>
             </a:fld>
             <a:endParaRPr lang="en-US" dirty="0"/>
           </a:p>
@@ -3038,7 +3028,7 @@
           <a:p>
             <a:fld id="{39667345-2558-425A-8533-9BFDBCE15005}" type="datetime1">
               <a:rPr lang="en-US" smtClean="0"/>
-              <a:t>7/29/22</a:t>
+              <a:t>8/11/22</a:t>
             </a:fld>
             <a:endParaRPr lang="en-US" dirty="0"/>
           </a:p>
@@ -3367,7 +3357,7 @@
           <a:p>
             <a:fld id="{92BEA474-078D-4E9B-9B14-09A87B19DC46}" type="datetime1">
               <a:rPr lang="en-US" smtClean="0"/>
-              <a:t>7/29/22</a:t>
+              <a:t>8/11/22</a:t>
             </a:fld>
             <a:endParaRPr lang="en-US" dirty="0"/>
           </a:p>
@@ -3717,7 +3707,7 @@
           <a:p>
             <a:fld id="{4907D986-8816-4272-A432-0437A28A9828}" type="datetime1">
               <a:rPr lang="en-US" smtClean="0"/>
-              <a:t>7/29/22</a:t>
+              <a:t>8/11/22</a:t>
             </a:fld>
             <a:endParaRPr lang="en-US" dirty="0"/>
           </a:p>
@@ -3978,7 +3968,7 @@
           <a:p>
             <a:fld id="{62D6E202-B606-4609-B914-27C9371A1F6D}" type="datetime1">
               <a:rPr lang="en-US" smtClean="0"/>
-              <a:t>7/29/22</a:t>
+              <a:t>8/11/22</a:t>
             </a:fld>
             <a:endParaRPr lang="en-US" dirty="0"/>
           </a:p>

--- a/AP_Java/Week5/Week5.pptx
+++ b/AP_Java/Week5/Week5.pptx
@@ -222,7 +222,7 @@
           <a:p>
             <a:fld id="{3B1E9AFA-C894-394C-A716-3DE2DD13D94C}" type="datetimeFigureOut">
               <a:rPr lang="en-US" smtClean="0"/>
-              <a:t>8/11/22</a:t>
+              <a:t>9/21/22</a:t>
             </a:fld>
             <a:endParaRPr lang="en-US"/>
           </a:p>
@@ -1092,7 +1092,7 @@
           <a:p>
             <a:fld id="{9184DA70-C731-4C70-880D-CCD4705E623C}" type="datetime1">
               <a:rPr lang="en-US" smtClean="0"/>
-              <a:t>8/11/22</a:t>
+              <a:t>9/21/22</a:t>
             </a:fld>
             <a:endParaRPr lang="en-US" dirty="0"/>
           </a:p>
@@ -1280,7 +1280,7 @@
           <a:p>
             <a:fld id="{B612A279-0833-481D-8C56-F67FD0AC6C50}" type="datetime1">
               <a:rPr lang="en-US" smtClean="0"/>
-              <a:t>8/11/22</a:t>
+              <a:t>9/21/22</a:t>
             </a:fld>
             <a:endParaRPr lang="en-US" dirty="0"/>
           </a:p>
@@ -1522,7 +1522,7 @@
           <a:p>
             <a:fld id="{6587DA83-5663-4C9C-B9AA-0B40A3DAFF81}" type="datetime1">
               <a:rPr lang="en-US" smtClean="0"/>
-              <a:t>8/11/22</a:t>
+              <a:t>9/21/22</a:t>
             </a:fld>
             <a:endParaRPr lang="en-US" dirty="0"/>
           </a:p>
@@ -1710,7 +1710,7 @@
           <a:p>
             <a:fld id="{4BE1D723-8F53-4F53-90B0-1982A396982E}" type="datetime1">
               <a:rPr lang="en-US" smtClean="0"/>
-              <a:t>8/11/22</a:t>
+              <a:t>9/21/22</a:t>
             </a:fld>
             <a:endParaRPr lang="en-US" dirty="0"/>
           </a:p>
@@ -2083,7 +2083,7 @@
           <a:p>
             <a:fld id="{97669AF7-7BEB-44E4-9852-375E34362B5B}" type="datetime1">
               <a:rPr lang="en-US" smtClean="0"/>
-              <a:t>8/11/22</a:t>
+              <a:t>9/21/22</a:t>
             </a:fld>
             <a:endParaRPr lang="en-US" dirty="0"/>
           </a:p>
@@ -2338,7 +2338,7 @@
           <a:p>
             <a:fld id="{BAAAC38D-0552-4C82-B593-E6124DFADBE2}" type="datetime1">
               <a:rPr lang="en-US" smtClean="0"/>
-              <a:t>8/11/22</a:t>
+              <a:t>9/21/22</a:t>
             </a:fld>
             <a:endParaRPr lang="en-US" dirty="0"/>
           </a:p>
@@ -2735,7 +2735,7 @@
           <a:p>
             <a:fld id="{D9DF0F1C-5577-4ACB-BB62-DF8F3C494C7E}" type="datetime1">
               <a:rPr lang="en-US" smtClean="0"/>
-              <a:t>8/11/22</a:t>
+              <a:t>9/21/22</a:t>
             </a:fld>
             <a:endParaRPr lang="en-US" dirty="0"/>
           </a:p>
@@ -2871,7 +2871,7 @@
           <a:p>
             <a:fld id="{1775B394-D9F9-4F0C-B15D-605F45CB9E9F}" type="datetime1">
               <a:rPr lang="en-US" smtClean="0"/>
-              <a:t>8/11/22</a:t>
+              <a:t>9/21/22</a:t>
             </a:fld>
             <a:endParaRPr lang="en-US" dirty="0"/>
           </a:p>
@@ -3028,7 +3028,7 @@
           <a:p>
             <a:fld id="{39667345-2558-425A-8533-9BFDBCE15005}" type="datetime1">
               <a:rPr lang="en-US" smtClean="0"/>
-              <a:t>8/11/22</a:t>
+              <a:t>9/21/22</a:t>
             </a:fld>
             <a:endParaRPr lang="en-US" dirty="0"/>
           </a:p>
@@ -3357,7 +3357,7 @@
           <a:p>
             <a:fld id="{92BEA474-078D-4E9B-9B14-09A87B19DC46}" type="datetime1">
               <a:rPr lang="en-US" smtClean="0"/>
-              <a:t>8/11/22</a:t>
+              <a:t>9/21/22</a:t>
             </a:fld>
             <a:endParaRPr lang="en-US" dirty="0"/>
           </a:p>
@@ -3707,7 +3707,7 @@
           <a:p>
             <a:fld id="{4907D986-8816-4272-A432-0437A28A9828}" type="datetime1">
               <a:rPr lang="en-US" smtClean="0"/>
-              <a:t>8/11/22</a:t>
+              <a:t>9/21/22</a:t>
             </a:fld>
             <a:endParaRPr lang="en-US" dirty="0"/>
           </a:p>
@@ -3968,7 +3968,7 @@
           <a:p>
             <a:fld id="{62D6E202-B606-4609-B914-27C9371A1F6D}" type="datetime1">
               <a:rPr lang="en-US" smtClean="0"/>
-              <a:t>8/11/22</a:t>
+              <a:t>9/21/22</a:t>
             </a:fld>
             <a:endParaRPr lang="en-US" dirty="0"/>
           </a:p>
@@ -5602,7 +5602,7 @@
             </a:pPr>
             <a:r>
               <a:rPr lang="en-US" sz="2800" dirty="0"/>
-              <a:t> Objects are equal by default when they have a same hash code</a:t>
+              <a:t> Objects are equal by default when they have the same hash code</a:t>
             </a:r>
             <a:endParaRPr lang="en-US" dirty="0"/>
           </a:p>
@@ -8268,7 +8268,7 @@
         </p:blipFill>
         <p:spPr>
           <a:xfrm>
-            <a:off x="663194" y="2741880"/>
+            <a:off x="313570" y="2755327"/>
             <a:ext cx="5097526" cy="1745791"/>
           </a:xfrm>
           <a:prstGeom prst="rect">
